--- a/QUIÉN QUIERE SER GRADUADO - aurkezpena.pptx
+++ b/QUIÉN QUIERE SER GRADUADO - aurkezpena.pptx
@@ -387,7 +387,8 @@
           <a:p>
             <a:fld id="{DB19CBB0-0857-4273-9633-FA0A7BB4E18E}" type="datetimeFigureOut">
               <a:rPr lang="es-ES" smtClean="0"/>
-              <a:t>10/04/2015</a:t>
+              <a:pPr/>
+              <a:t>11/04/2015</a:t>
             </a:fld>
             <a:endParaRPr lang="es-ES"/>
           </a:p>
@@ -457,6 +458,7 @@
           <a:p>
             <a:fld id="{F59A6829-5058-4285-9F21-00A6D63E088C}" type="slidenum">
               <a:rPr lang="es-ES" smtClean="0"/>
+              <a:pPr/>
               <a:t>‹Nº›</a:t>
             </a:fld>
             <a:endParaRPr lang="es-ES"/>
@@ -586,7 +588,8 @@
           <a:p>
             <a:fld id="{DB19CBB0-0857-4273-9633-FA0A7BB4E18E}" type="datetimeFigureOut">
               <a:rPr lang="es-ES" smtClean="0"/>
-              <a:t>10/04/2015</a:t>
+              <a:pPr/>
+              <a:t>11/04/2015</a:t>
             </a:fld>
             <a:endParaRPr lang="es-ES"/>
           </a:p>
@@ -632,6 +635,7 @@
           <a:p>
             <a:fld id="{F59A6829-5058-4285-9F21-00A6D63E088C}" type="slidenum">
               <a:rPr lang="es-ES" smtClean="0"/>
+              <a:pPr/>
               <a:t>‹Nº›</a:t>
             </a:fld>
             <a:endParaRPr lang="es-ES"/>
@@ -776,7 +780,8 @@
           <a:p>
             <a:fld id="{DB19CBB0-0857-4273-9633-FA0A7BB4E18E}" type="datetimeFigureOut">
               <a:rPr lang="es-ES" smtClean="0"/>
-              <a:t>10/04/2015</a:t>
+              <a:pPr/>
+              <a:t>11/04/2015</a:t>
             </a:fld>
             <a:endParaRPr lang="es-ES"/>
           </a:p>
@@ -839,6 +844,7 @@
           <a:p>
             <a:fld id="{F59A6829-5058-4285-9F21-00A6D63E088C}" type="slidenum">
               <a:rPr lang="es-ES" smtClean="0"/>
+              <a:pPr/>
               <a:t>‹Nº›</a:t>
             </a:fld>
             <a:endParaRPr lang="es-ES"/>
@@ -968,7 +974,8 @@
           <a:p>
             <a:fld id="{DB19CBB0-0857-4273-9633-FA0A7BB4E18E}" type="datetimeFigureOut">
               <a:rPr lang="es-ES" smtClean="0"/>
-              <a:t>10/04/2015</a:t>
+              <a:pPr/>
+              <a:t>11/04/2015</a:t>
             </a:fld>
             <a:endParaRPr lang="es-ES"/>
           </a:p>
@@ -1014,6 +1021,7 @@
           <a:p>
             <a:fld id="{F59A6829-5058-4285-9F21-00A6D63E088C}" type="slidenum">
               <a:rPr lang="es-ES" smtClean="0"/>
+              <a:pPr/>
               <a:t>‹Nº›</a:t>
             </a:fld>
             <a:endParaRPr lang="es-ES"/>
@@ -1194,7 +1202,8 @@
           <a:p>
             <a:fld id="{DB19CBB0-0857-4273-9633-FA0A7BB4E18E}" type="datetimeFigureOut">
               <a:rPr lang="es-ES" smtClean="0"/>
-              <a:t>10/04/2015</a:t>
+              <a:pPr/>
+              <a:t>11/04/2015</a:t>
             </a:fld>
             <a:endParaRPr lang="es-ES"/>
           </a:p>
@@ -1257,6 +1266,7 @@
           <a:p>
             <a:fld id="{F59A6829-5058-4285-9F21-00A6D63E088C}" type="slidenum">
               <a:rPr lang="es-ES" smtClean="0"/>
+              <a:pPr/>
               <a:t>‹Nº›</a:t>
             </a:fld>
             <a:endParaRPr lang="es-ES"/>
@@ -1485,7 +1495,8 @@
           <a:p>
             <a:fld id="{DB19CBB0-0857-4273-9633-FA0A7BB4E18E}" type="datetimeFigureOut">
               <a:rPr lang="es-ES" smtClean="0"/>
-              <a:t>10/04/2015</a:t>
+              <a:pPr/>
+              <a:t>11/04/2015</a:t>
             </a:fld>
             <a:endParaRPr lang="es-ES"/>
           </a:p>
@@ -1531,6 +1542,7 @@
           <a:p>
             <a:fld id="{F59A6829-5058-4285-9F21-00A6D63E088C}" type="slidenum">
               <a:rPr lang="es-ES" smtClean="0"/>
+              <a:pPr/>
               <a:t>‹Nº›</a:t>
             </a:fld>
             <a:endParaRPr lang="es-ES"/>
@@ -1916,7 +1928,8 @@
           <a:p>
             <a:fld id="{DB19CBB0-0857-4273-9633-FA0A7BB4E18E}" type="datetimeFigureOut">
               <a:rPr lang="es-ES" smtClean="0"/>
-              <a:t>10/04/2015</a:t>
+              <a:pPr/>
+              <a:t>11/04/2015</a:t>
             </a:fld>
             <a:endParaRPr lang="es-ES"/>
           </a:p>
@@ -1962,6 +1975,7 @@
           <a:p>
             <a:fld id="{F59A6829-5058-4285-9F21-00A6D63E088C}" type="slidenum">
               <a:rPr lang="es-ES" smtClean="0"/>
+              <a:pPr/>
               <a:t>‹Nº›</a:t>
             </a:fld>
             <a:endParaRPr lang="es-ES"/>
@@ -2042,7 +2056,8 @@
           <a:p>
             <a:fld id="{DB19CBB0-0857-4273-9633-FA0A7BB4E18E}" type="datetimeFigureOut">
               <a:rPr lang="es-ES" smtClean="0"/>
-              <a:t>10/04/2015</a:t>
+              <a:pPr/>
+              <a:t>11/04/2015</a:t>
             </a:fld>
             <a:endParaRPr lang="es-ES"/>
           </a:p>
@@ -2088,6 +2103,7 @@
           <a:p>
             <a:fld id="{F59A6829-5058-4285-9F21-00A6D63E088C}" type="slidenum">
               <a:rPr lang="es-ES" smtClean="0"/>
+              <a:pPr/>
               <a:t>‹Nº›</a:t>
             </a:fld>
             <a:endParaRPr lang="es-ES"/>
@@ -2145,7 +2161,8 @@
           <a:p>
             <a:fld id="{DB19CBB0-0857-4273-9633-FA0A7BB4E18E}" type="datetimeFigureOut">
               <a:rPr lang="es-ES" smtClean="0"/>
-              <a:t>10/04/2015</a:t>
+              <a:pPr/>
+              <a:t>11/04/2015</a:t>
             </a:fld>
             <a:endParaRPr lang="es-ES"/>
           </a:p>
@@ -2198,6 +2215,7 @@
           <a:p>
             <a:fld id="{F59A6829-5058-4285-9F21-00A6D63E088C}" type="slidenum">
               <a:rPr lang="es-ES" smtClean="0"/>
+              <a:pPr/>
               <a:t>‹Nº›</a:t>
             </a:fld>
             <a:endParaRPr lang="es-ES"/>
@@ -2414,7 +2432,8 @@
           <a:p>
             <a:fld id="{DB19CBB0-0857-4273-9633-FA0A7BB4E18E}" type="datetimeFigureOut">
               <a:rPr lang="es-ES" smtClean="0"/>
-              <a:t>10/04/2015</a:t>
+              <a:pPr/>
+              <a:t>11/04/2015</a:t>
             </a:fld>
             <a:endParaRPr lang="es-ES"/>
           </a:p>
@@ -2460,6 +2479,7 @@
           <a:p>
             <a:fld id="{F59A6829-5058-4285-9F21-00A6D63E088C}" type="slidenum">
               <a:rPr lang="es-ES" smtClean="0"/>
+              <a:pPr/>
               <a:t>‹Nº›</a:t>
             </a:fld>
             <a:endParaRPr lang="es-ES"/>
@@ -2778,7 +2798,8 @@
           <a:p>
             <a:fld id="{DB19CBB0-0857-4273-9633-FA0A7BB4E18E}" type="datetimeFigureOut">
               <a:rPr lang="es-ES" smtClean="0"/>
-              <a:t>10/04/2015</a:t>
+              <a:pPr/>
+              <a:t>11/04/2015</a:t>
             </a:fld>
             <a:endParaRPr lang="es-ES"/>
           </a:p>
@@ -2824,6 +2845,7 @@
           <a:p>
             <a:fld id="{F59A6829-5058-4285-9F21-00A6D63E088C}" type="slidenum">
               <a:rPr lang="es-ES" smtClean="0"/>
+              <a:pPr/>
               <a:t>‹Nº›</a:t>
             </a:fld>
             <a:endParaRPr lang="es-ES"/>
@@ -3133,7 +3155,8 @@
           <a:p>
             <a:fld id="{DB19CBB0-0857-4273-9633-FA0A7BB4E18E}" type="datetimeFigureOut">
               <a:rPr lang="es-ES" smtClean="0"/>
-              <a:t>10/04/2015</a:t>
+              <a:pPr/>
+              <a:t>11/04/2015</a:t>
             </a:fld>
             <a:endParaRPr lang="es-ES"/>
           </a:p>
@@ -3209,6 +3232,7 @@
           <a:p>
             <a:fld id="{F59A6829-5058-4285-9F21-00A6D63E088C}" type="slidenum">
               <a:rPr lang="es-ES" smtClean="0"/>
+              <a:pPr/>
               <a:t>‹Nº›</a:t>
             </a:fld>
             <a:endParaRPr lang="es-ES"/>
@@ -3701,11 +3725,7 @@
           <a:p>
             <a:r>
               <a:rPr lang="es-ES" dirty="0" smtClean="0"/>
-              <a:t>Subida a </a:t>
-            </a:r>
-            <a:r>
-              <a:rPr lang="es-ES" dirty="0" smtClean="0"/>
-              <a:t>la web (</a:t>
+              <a:t>Subida a la web (</a:t>
             </a:r>
             <a:r>
               <a:rPr lang="es-ES" dirty="0" err="1" smtClean="0"/>
@@ -3713,11 +3733,7 @@
             </a:r>
             <a:r>
               <a:rPr lang="es-ES" dirty="0" smtClean="0"/>
-              <a:t>, </a:t>
-            </a:r>
-            <a:r>
-              <a:rPr lang="es-ES" dirty="0" smtClean="0"/>
-              <a:t>Amazon, </a:t>
+              <a:t>, Amazon, </a:t>
             </a:r>
             <a:r>
               <a:rPr lang="es-ES" dirty="0" err="1" smtClean="0"/>
@@ -4016,21 +4032,13 @@
           <a:p>
             <a:r>
               <a:rPr lang="es-ES" dirty="0" smtClean="0"/>
-              <a:t>2</a:t>
-            </a:r>
+              <a:t>2.- Planificación</a:t>
+            </a:r>
+          </a:p>
+          <a:p>
             <a:r>
               <a:rPr lang="es-ES" dirty="0" smtClean="0"/>
-              <a:t>.- Planificación</a:t>
-            </a:r>
-          </a:p>
-          <a:p>
-            <a:r>
-              <a:rPr lang="es-ES" dirty="0" smtClean="0"/>
-              <a:t>3</a:t>
-            </a:r>
-            <a:r>
-              <a:rPr lang="es-ES" dirty="0" smtClean="0"/>
-              <a:t>.- Diseño</a:t>
+              <a:t>3.- Diseño</a:t>
             </a:r>
           </a:p>
           <a:p>
@@ -4042,21 +4050,13 @@
           <a:p>
             <a:r>
               <a:rPr lang="es-ES" dirty="0" smtClean="0"/>
-              <a:t>5</a:t>
-            </a:r>
+              <a:t>5.- Problemas/Soluciones</a:t>
+            </a:r>
+          </a:p>
+          <a:p>
             <a:r>
               <a:rPr lang="es-ES" dirty="0" smtClean="0"/>
-              <a:t>.- Problemas/Soluciones</a:t>
-            </a:r>
-          </a:p>
-          <a:p>
-            <a:r>
-              <a:rPr lang="es-ES" dirty="0" smtClean="0"/>
-              <a:t>6</a:t>
-            </a:r>
-            <a:r>
-              <a:rPr lang="es-ES" dirty="0" smtClean="0"/>
-              <a:t>.- LOPD</a:t>
+              <a:t>6.- LOPD</a:t>
             </a:r>
           </a:p>
           <a:p>
@@ -4275,31 +4275,19 @@
           <a:p>
             <a:r>
               <a:rPr lang="es-ES" dirty="0" smtClean="0"/>
-              <a:t>Semana 1: </a:t>
-            </a:r>
+              <a:t>Semana 1: Requisitos, idea de desarrollo y descripción.</a:t>
+            </a:r>
+          </a:p>
+          <a:p>
             <a:r>
               <a:rPr lang="es-ES" dirty="0" smtClean="0"/>
-              <a:t>Requisitos, idea de desarrollo y descripción.</a:t>
+              <a:t>Semana 2: Diseño, elección de plataforma y costes.</a:t>
             </a:r>
           </a:p>
           <a:p>
             <a:r>
               <a:rPr lang="es-ES" dirty="0" smtClean="0"/>
-              <a:t>Semana 2</a:t>
-            </a:r>
-            <a:r>
-              <a:rPr lang="es-ES" dirty="0" smtClean="0"/>
-              <a:t>: Diseño, elección de plataforma y costes.</a:t>
-            </a:r>
-          </a:p>
-          <a:p>
-            <a:r>
-              <a:rPr lang="es-ES" dirty="0" smtClean="0"/>
-              <a:t>Semana </a:t>
-            </a:r>
-            <a:r>
-              <a:rPr lang="es-ES" dirty="0" smtClean="0"/>
-              <a:t>3-6: Implementación y corrección de errores.</a:t>
+              <a:t>Semana 3-6: Implementación y corrección de errores.</a:t>
             </a:r>
           </a:p>
           <a:p>
@@ -4393,6 +4381,38 @@
           <a:noFill/>
         </p:spPr>
       </p:pic>
+      <p:sp>
+        <p:nvSpPr>
+          <p:cNvPr id="4" name="3 CuadroTexto"/>
+          <p:cNvSpPr txBox="1"/>
+          <p:nvPr/>
+        </p:nvSpPr>
+        <p:spPr>
+          <a:xfrm>
+            <a:off x="357158" y="5857892"/>
+            <a:ext cx="5286412" cy="369332"/>
+          </a:xfrm>
+          <a:prstGeom prst="rect">
+            <a:avLst/>
+          </a:prstGeom>
+          <a:noFill/>
+        </p:spPr>
+        <p:txBody>
+          <a:bodyPr wrap="square" rtlCol="0">
+            <a:spAutoFit/>
+          </a:bodyPr>
+          <a:lstStyle/>
+          <a:p>
+            <a:r>
+              <a:rPr lang="es-ES" dirty="0" smtClean="0">
+                <a:hlinkClick r:id="rId3"/>
+              </a:rPr>
+              <a:t>https://cacoo.com/diagrams/0PfBy80fL2u1QR8A</a:t>
+            </a:r>
+            <a:endParaRPr lang="es-ES" dirty="0"/>
+          </a:p>
+        </p:txBody>
+      </p:sp>
     </p:spTree>
   </p:cSld>
   <p:clrMapOvr>
@@ -4675,7 +4695,6 @@
               <a:rPr lang="es-ES" dirty="0" smtClean="0"/>
               <a:t>Cargar pregunta</a:t>
             </a:r>
-            <a:endParaRPr lang="es-ES" dirty="0" smtClean="0"/>
           </a:p>
         </p:txBody>
       </p:sp>
@@ -4779,25 +4798,17 @@
           <a:p>
             <a:r>
               <a:rPr lang="es-ES" dirty="0" smtClean="0"/>
-              <a:t>La Ley Orgánica </a:t>
-            </a:r>
+              <a:t>La Ley Orgánica 15/1999</a:t>
+            </a:r>
+          </a:p>
+          <a:p>
+            <a:endParaRPr lang="es-ES" dirty="0" smtClean="0"/>
+          </a:p>
+          <a:p>
+            <a:pPr lvl="1"/>
             <a:r>
               <a:rPr lang="es-ES" dirty="0" smtClean="0"/>
-              <a:t>15/1999</a:t>
-            </a:r>
-          </a:p>
-          <a:p>
-            <a:endParaRPr lang="es-ES" dirty="0" smtClean="0"/>
-          </a:p>
-          <a:p>
-            <a:pPr lvl="1"/>
-            <a:r>
-              <a:rPr lang="es-ES" dirty="0" smtClean="0"/>
-              <a:t>Regula el tratamiento de los datos y </a:t>
-            </a:r>
-            <a:r>
-              <a:rPr lang="es-ES" dirty="0" smtClean="0"/>
-              <a:t>ficheros personales</a:t>
+              <a:t>Regula el tratamiento de los datos y ficheros personales</a:t>
             </a:r>
           </a:p>
           <a:p>
@@ -4814,7 +4825,6 @@
               <a:rPr lang="es-ES" dirty="0" smtClean="0"/>
               <a:t>Es de obligado cumplimiento </a:t>
             </a:r>
-            <a:endParaRPr lang="es-ES" dirty="0" smtClean="0"/>
           </a:p>
           <a:p>
             <a:pPr lvl="1">
@@ -4822,11 +4832,7 @@
             </a:pPr>
             <a:r>
               <a:rPr lang="es-ES" dirty="0" smtClean="0"/>
-              <a:t>   para </a:t>
-            </a:r>
-            <a:r>
-              <a:rPr lang="es-ES" dirty="0" smtClean="0"/>
-              <a:t>todas las entidades </a:t>
+              <a:t>   para todas las entidades </a:t>
             </a:r>
           </a:p>
           <a:p>
@@ -4835,11 +4841,7 @@
             </a:pPr>
             <a:r>
               <a:rPr lang="es-ES" dirty="0" smtClean="0"/>
-              <a:t>   públicas </a:t>
-            </a:r>
-            <a:r>
-              <a:rPr lang="es-ES" dirty="0" smtClean="0"/>
-              <a:t>o privadas</a:t>
+              <a:t>   públicas o privadas</a:t>
             </a:r>
           </a:p>
           <a:p>
@@ -4861,7 +4863,6 @@
               <a:rPr lang="es-ES" dirty="0" smtClean="0"/>
               <a:t>Nuestro proyecto no infringe ninguna ley</a:t>
             </a:r>
-            <a:endParaRPr lang="es-ES" dirty="0" smtClean="0"/>
           </a:p>
           <a:p>
             <a:pPr lvl="1"/>
@@ -5083,29 +5084,13 @@
           <a:p>
             <a:r>
               <a:rPr lang="es-ES" sz="1900" dirty="0" smtClean="0"/>
-              <a:t>Gastos totales: </a:t>
-            </a:r>
+              <a:t>Gastos totales: 16.250€</a:t>
+            </a:r>
+          </a:p>
+          <a:p>
             <a:r>
               <a:rPr lang="es-ES" sz="1900" dirty="0" smtClean="0"/>
-              <a:t>16.250</a:t>
-            </a:r>
-            <a:r>
-              <a:rPr lang="es-ES" sz="1900" dirty="0" smtClean="0"/>
-              <a:t>€</a:t>
-            </a:r>
-          </a:p>
-          <a:p>
-            <a:r>
-              <a:rPr lang="es-ES" sz="1900" dirty="0" smtClean="0"/>
-              <a:t>Beneficios totales: 15.000€ </a:t>
-            </a:r>
-            <a:r>
-              <a:rPr lang="es-ES" sz="1900" dirty="0" smtClean="0"/>
-              <a:t>+ </a:t>
-            </a:r>
-            <a:r>
-              <a:rPr lang="es-ES" sz="1900" dirty="0" smtClean="0"/>
-              <a:t>10.500€ </a:t>
+              <a:t>Beneficios totales: 15.000€ + 10.500€ </a:t>
             </a:r>
           </a:p>
           <a:p>
@@ -5113,7 +5098,6 @@
               <a:rPr lang="es-ES" sz="2000" dirty="0" smtClean="0"/>
               <a:t>Balance final: 25.500€ - 16.250€ = 9.250€</a:t>
             </a:r>
-            <a:endParaRPr lang="es-ES" sz="2000" dirty="0" smtClean="0"/>
           </a:p>
           <a:p>
             <a:pPr lvl="1"/>

--- a/QUIÉN QUIERE SER GRADUADO - aurkezpena.pptx
+++ b/QUIÉN QUIERE SER GRADUADO - aurkezpena.pptx
@@ -114,6 +114,22 @@
       </a:defRPr>
     </a:lvl9pPr>
   </p:defaultTextStyle>
+  <p:extLst>
+    <p:ext uri="{EFAFB233-063F-42B5-8137-9DF3F51BA10A}">
+      <p15:sldGuideLst xmlns:p15="http://schemas.microsoft.com/office/powerpoint/2012/main">
+        <p15:guide id="1" orient="horz" pos="2160">
+          <p15:clr>
+            <a:srgbClr val="A4A3A4"/>
+          </p15:clr>
+        </p15:guide>
+        <p15:guide id="2" pos="2880">
+          <p15:clr>
+            <a:srgbClr val="A4A3A4"/>
+          </p15:clr>
+        </p15:guide>
+      </p15:sldGuideLst>
+    </p:ext>
+  </p:extLst>
 </p:presentation>
 </file>
 
@@ -388,7 +404,7 @@
             <a:fld id="{DB19CBB0-0857-4273-9633-FA0A7BB4E18E}" type="datetimeFigureOut">
               <a:rPr lang="es-ES" smtClean="0"/>
               <a:pPr/>
-              <a:t>11/04/2015</a:t>
+              <a:t>12/04/2015</a:t>
             </a:fld>
             <a:endParaRPr lang="es-ES"/>
           </a:p>
@@ -589,7 +605,7 @@
             <a:fld id="{DB19CBB0-0857-4273-9633-FA0A7BB4E18E}" type="datetimeFigureOut">
               <a:rPr lang="es-ES" smtClean="0"/>
               <a:pPr/>
-              <a:t>11/04/2015</a:t>
+              <a:t>12/04/2015</a:t>
             </a:fld>
             <a:endParaRPr lang="es-ES"/>
           </a:p>
@@ -781,7 +797,7 @@
             <a:fld id="{DB19CBB0-0857-4273-9633-FA0A7BB4E18E}" type="datetimeFigureOut">
               <a:rPr lang="es-ES" smtClean="0"/>
               <a:pPr/>
-              <a:t>11/04/2015</a:t>
+              <a:t>12/04/2015</a:t>
             </a:fld>
             <a:endParaRPr lang="es-ES"/>
           </a:p>
@@ -975,7 +991,7 @@
             <a:fld id="{DB19CBB0-0857-4273-9633-FA0A7BB4E18E}" type="datetimeFigureOut">
               <a:rPr lang="es-ES" smtClean="0"/>
               <a:pPr/>
-              <a:t>11/04/2015</a:t>
+              <a:t>12/04/2015</a:t>
             </a:fld>
             <a:endParaRPr lang="es-ES"/>
           </a:p>
@@ -1203,7 +1219,7 @@
             <a:fld id="{DB19CBB0-0857-4273-9633-FA0A7BB4E18E}" type="datetimeFigureOut">
               <a:rPr lang="es-ES" smtClean="0"/>
               <a:pPr/>
-              <a:t>11/04/2015</a:t>
+              <a:t>12/04/2015</a:t>
             </a:fld>
             <a:endParaRPr lang="es-ES"/>
           </a:p>
@@ -1496,7 +1512,7 @@
             <a:fld id="{DB19CBB0-0857-4273-9633-FA0A7BB4E18E}" type="datetimeFigureOut">
               <a:rPr lang="es-ES" smtClean="0"/>
               <a:pPr/>
-              <a:t>11/04/2015</a:t>
+              <a:t>12/04/2015</a:t>
             </a:fld>
             <a:endParaRPr lang="es-ES"/>
           </a:p>
@@ -1929,7 +1945,7 @@
             <a:fld id="{DB19CBB0-0857-4273-9633-FA0A7BB4E18E}" type="datetimeFigureOut">
               <a:rPr lang="es-ES" smtClean="0"/>
               <a:pPr/>
-              <a:t>11/04/2015</a:t>
+              <a:t>12/04/2015</a:t>
             </a:fld>
             <a:endParaRPr lang="es-ES"/>
           </a:p>
@@ -2057,7 +2073,7 @@
             <a:fld id="{DB19CBB0-0857-4273-9633-FA0A7BB4E18E}" type="datetimeFigureOut">
               <a:rPr lang="es-ES" smtClean="0"/>
               <a:pPr/>
-              <a:t>11/04/2015</a:t>
+              <a:t>12/04/2015</a:t>
             </a:fld>
             <a:endParaRPr lang="es-ES"/>
           </a:p>
@@ -2162,7 +2178,7 @@
             <a:fld id="{DB19CBB0-0857-4273-9633-FA0A7BB4E18E}" type="datetimeFigureOut">
               <a:rPr lang="es-ES" smtClean="0"/>
               <a:pPr/>
-              <a:t>11/04/2015</a:t>
+              <a:t>12/04/2015</a:t>
             </a:fld>
             <a:endParaRPr lang="es-ES"/>
           </a:p>
@@ -2433,7 +2449,7 @@
             <a:fld id="{DB19CBB0-0857-4273-9633-FA0A7BB4E18E}" type="datetimeFigureOut">
               <a:rPr lang="es-ES" smtClean="0"/>
               <a:pPr/>
-              <a:t>11/04/2015</a:t>
+              <a:t>12/04/2015</a:t>
             </a:fld>
             <a:endParaRPr lang="es-ES"/>
           </a:p>
@@ -2799,7 +2815,7 @@
             <a:fld id="{DB19CBB0-0857-4273-9633-FA0A7BB4E18E}" type="datetimeFigureOut">
               <a:rPr lang="es-ES" smtClean="0"/>
               <a:pPr/>
-              <a:t>11/04/2015</a:t>
+              <a:t>12/04/2015</a:t>
             </a:fld>
             <a:endParaRPr lang="es-ES"/>
           </a:p>
@@ -3156,7 +3172,7 @@
             <a:fld id="{DB19CBB0-0857-4273-9633-FA0A7BB4E18E}" type="datetimeFigureOut">
               <a:rPr lang="es-ES" smtClean="0"/>
               <a:pPr/>
-              <a:t>11/04/2015</a:t>
+              <a:t>12/04/2015</a:t>
             </a:fld>
             <a:endParaRPr lang="es-ES"/>
           </a:p>
@@ -3725,31 +3741,22 @@
           <a:p>
             <a:r>
               <a:rPr lang="es-ES" dirty="0" smtClean="0"/>
-              <a:t>Subida a la web (</a:t>
-            </a:r>
-            <a:r>
-              <a:rPr lang="es-ES" dirty="0" err="1" smtClean="0"/>
-              <a:t>Aptoide</a:t>
+              <a:t>Subida a la web </a:t>
             </a:r>
             <a:r>
               <a:rPr lang="es-ES" dirty="0" smtClean="0"/>
-              <a:t>, Amazon, </a:t>
-            </a:r>
-            <a:r>
-              <a:rPr lang="es-ES" dirty="0" err="1" smtClean="0"/>
-              <a:t>Slideme</a:t>
-            </a:r>
-            <a:r>
-              <a:rPr lang="es-ES" dirty="0" smtClean="0"/>
-              <a:t>)</a:t>
+              <a:t>(Amazon)</a:t>
             </a:r>
           </a:p>
           <a:p>
             <a:pPr lvl="1"/>
             <a:r>
-              <a:rPr lang="es-ES" dirty="0" smtClean="0"/>
-              <a:t>Links //TODO</a:t>
-            </a:r>
+              <a:rPr lang="es-ES" dirty="0" smtClean="0">
+                <a:hlinkClick r:id="rId2"/>
+              </a:rPr>
+              <a:t>Amazon</a:t>
+            </a:r>
+            <a:endParaRPr lang="es-ES" dirty="0" smtClean="0"/>
           </a:p>
           <a:p>
             <a:endParaRPr lang="es-ES" dirty="0" smtClean="0"/>
